--- a/docs/diagrams/CsvUserStorage.pptx
+++ b/docs/diagrams/CsvUserStorage.pptx
@@ -208,7 +208,7 @@
           <a:p>
             <a:fld id="{F5CC4B3F-88C1-4FFA-B1B6-F41C21DC6924}" type="datetimeFigureOut">
               <a:rPr lang="en-US" smtClean="0"/>
-              <a:t>13-Apr-19</a:t>
+              <a:t>4/14/2019</a:t>
             </a:fld>
             <a:endParaRPr lang="en-US"/>
           </a:p>
@@ -654,7 +654,7 @@
           <a:p>
             <a:fld id="{78C97017-6FC3-485B-9764-EAC9E56C1D49}" type="datetimeFigureOut">
               <a:rPr lang="en-US" smtClean="0"/>
-              <a:t>13-Apr-19</a:t>
+              <a:t>4/14/2019</a:t>
             </a:fld>
             <a:endParaRPr lang="en-US"/>
           </a:p>
@@ -822,7 +822,7 @@
           <a:p>
             <a:fld id="{78C97017-6FC3-485B-9764-EAC9E56C1D49}" type="datetimeFigureOut">
               <a:rPr lang="en-US" smtClean="0"/>
-              <a:t>13-Apr-19</a:t>
+              <a:t>4/14/2019</a:t>
             </a:fld>
             <a:endParaRPr lang="en-US"/>
           </a:p>
@@ -1000,7 +1000,7 @@
           <a:p>
             <a:fld id="{78C97017-6FC3-485B-9764-EAC9E56C1D49}" type="datetimeFigureOut">
               <a:rPr lang="en-US" smtClean="0"/>
-              <a:t>13-Apr-19</a:t>
+              <a:t>4/14/2019</a:t>
             </a:fld>
             <a:endParaRPr lang="en-US"/>
           </a:p>
@@ -1168,7 +1168,7 @@
           <a:p>
             <a:fld id="{78C97017-6FC3-485B-9764-EAC9E56C1D49}" type="datetimeFigureOut">
               <a:rPr lang="en-US" smtClean="0"/>
-              <a:t>13-Apr-19</a:t>
+              <a:t>4/14/2019</a:t>
             </a:fld>
             <a:endParaRPr lang="en-US"/>
           </a:p>
@@ -1413,7 +1413,7 @@
           <a:p>
             <a:fld id="{78C97017-6FC3-485B-9764-EAC9E56C1D49}" type="datetimeFigureOut">
               <a:rPr lang="en-US" smtClean="0"/>
-              <a:t>13-Apr-19</a:t>
+              <a:t>4/14/2019</a:t>
             </a:fld>
             <a:endParaRPr lang="en-US"/>
           </a:p>
@@ -1698,7 +1698,7 @@
           <a:p>
             <a:fld id="{78C97017-6FC3-485B-9764-EAC9E56C1D49}" type="datetimeFigureOut">
               <a:rPr lang="en-US" smtClean="0"/>
-              <a:t>13-Apr-19</a:t>
+              <a:t>4/14/2019</a:t>
             </a:fld>
             <a:endParaRPr lang="en-US"/>
           </a:p>
@@ -2117,7 +2117,7 @@
           <a:p>
             <a:fld id="{78C97017-6FC3-485B-9764-EAC9E56C1D49}" type="datetimeFigureOut">
               <a:rPr lang="en-US" smtClean="0"/>
-              <a:t>13-Apr-19</a:t>
+              <a:t>4/14/2019</a:t>
             </a:fld>
             <a:endParaRPr lang="en-US"/>
           </a:p>
@@ -2234,7 +2234,7 @@
           <a:p>
             <a:fld id="{78C97017-6FC3-485B-9764-EAC9E56C1D49}" type="datetimeFigureOut">
               <a:rPr lang="en-US" smtClean="0"/>
-              <a:t>13-Apr-19</a:t>
+              <a:t>4/14/2019</a:t>
             </a:fld>
             <a:endParaRPr lang="en-US"/>
           </a:p>
@@ -2329,7 +2329,7 @@
           <a:p>
             <a:fld id="{78C97017-6FC3-485B-9764-EAC9E56C1D49}" type="datetimeFigureOut">
               <a:rPr lang="en-US" smtClean="0"/>
-              <a:t>13-Apr-19</a:t>
+              <a:t>4/14/2019</a:t>
             </a:fld>
             <a:endParaRPr lang="en-US"/>
           </a:p>
@@ -2604,7 +2604,7 @@
           <a:p>
             <a:fld id="{78C97017-6FC3-485B-9764-EAC9E56C1D49}" type="datetimeFigureOut">
               <a:rPr lang="en-US" smtClean="0"/>
-              <a:t>13-Apr-19</a:t>
+              <a:t>4/14/2019</a:t>
             </a:fld>
             <a:endParaRPr lang="en-US"/>
           </a:p>
@@ -2856,7 +2856,7 @@
           <a:p>
             <a:fld id="{78C97017-6FC3-485B-9764-EAC9E56C1D49}" type="datetimeFigureOut">
               <a:rPr lang="en-US" smtClean="0"/>
-              <a:t>13-Apr-19</a:t>
+              <a:t>4/14/2019</a:t>
             </a:fld>
             <a:endParaRPr lang="en-US"/>
           </a:p>
@@ -3067,7 +3067,7 @@
           <a:p>
             <a:fld id="{78C97017-6FC3-485B-9764-EAC9E56C1D49}" type="datetimeFigureOut">
               <a:rPr lang="en-US" smtClean="0"/>
-              <a:t>13-Apr-19</a:t>
+              <a:t>4/14/2019</a:t>
             </a:fld>
             <a:endParaRPr lang="en-US"/>
           </a:p>
@@ -3442,304 +3442,268 @@
           <a:chExt cx="0" cy="0"/>
         </a:xfrm>
       </p:grpSpPr>
-      <p:grpSp>
-        <p:nvGrpSpPr>
-          <p:cNvPr id="15" name="Group 14">
+      <p:sp>
+        <p:nvSpPr>
+          <p:cNvPr id="118" name="Rectangle 65"/>
+          <p:cNvSpPr/>
+          <p:nvPr/>
+        </p:nvSpPr>
+        <p:spPr>
+          <a:xfrm>
+            <a:off x="778508" y="2627036"/>
+            <a:ext cx="1676399" cy="1219201"/>
+          </a:xfrm>
+          <a:prstGeom prst="roundRect">
+            <a:avLst>
+              <a:gd name="adj" fmla="val 3484"/>
+            </a:avLst>
+          </a:prstGeom>
+          <a:solidFill>
+            <a:schemeClr val="accent4">
+              <a:lumMod val="20000"/>
+              <a:lumOff val="80000"/>
+            </a:schemeClr>
+          </a:solidFill>
+          <a:ln w="19050">
+            <a:noFill/>
+          </a:ln>
+          <a:effectLst/>
+        </p:spPr>
+        <p:style>
+          <a:lnRef idx="1">
+            <a:schemeClr val="accent2"/>
+          </a:lnRef>
+          <a:fillRef idx="2">
+            <a:schemeClr val="accent2"/>
+          </a:fillRef>
+          <a:effectRef idx="1">
+            <a:schemeClr val="accent2"/>
+          </a:effectRef>
+          <a:fontRef idx="minor">
+            <a:schemeClr val="dk1"/>
+          </a:fontRef>
+        </p:style>
+        <p:txBody>
+          <a:bodyPr rtlCol="0" anchor="t"/>
+          <a:lstStyle/>
+          <a:p>
+            <a:r>
+              <a:rPr lang="en-US" sz="1200" b="1" dirty="0" err="1">
+                <a:solidFill>
+                  <a:srgbClr val="7030A0"/>
+                </a:solidFill>
+              </a:rPr>
+              <a:t>ManagementModel</a:t>
+            </a:r>
+            <a:endParaRPr lang="en-SG" sz="1200" b="1" dirty="0">
+              <a:solidFill>
+                <a:srgbClr val="7030A0"/>
+              </a:solidFill>
+            </a:endParaRPr>
+          </a:p>
+        </p:txBody>
+      </p:sp>
+      <p:sp>
+        <p:nvSpPr>
+          <p:cNvPr id="72" name="Rectangle 8">
             <a:extLst>
               <a:ext uri="{FF2B5EF4-FFF2-40B4-BE49-F238E27FC236}">
-                <a16:creationId xmlns:a16="http://schemas.microsoft.com/office/drawing/2014/main" id="{385B1E9E-090B-44A6-994D-C8DA6973A03F}"/>
+                <a16:creationId xmlns:a16="http://schemas.microsoft.com/office/drawing/2014/main" id="{D599E6E2-2C67-4CF7-8906-92C8A93721A4}"/>
               </a:ext>
             </a:extLst>
           </p:cNvPr>
-          <p:cNvGrpSpPr/>
+          <p:cNvSpPr/>
           <p:nvPr/>
-        </p:nvGrpSpPr>
-        <p:grpSpPr>
+        </p:nvSpPr>
+        <p:spPr>
           <a:xfrm>
-            <a:off x="778508" y="1729759"/>
-            <a:ext cx="1676399" cy="3124200"/>
-            <a:chOff x="457201" y="1866900"/>
-            <a:chExt cx="1676399" cy="3124200"/>
+            <a:off x="1083307" y="3093747"/>
+            <a:ext cx="1156969" cy="285783"/>
           </a:xfrm>
-        </p:grpSpPr>
-        <p:sp>
-          <p:nvSpPr>
-            <p:cNvPr id="118" name="Rectangle 65"/>
-            <p:cNvSpPr/>
-            <p:nvPr/>
-          </p:nvSpPr>
-          <p:spPr>
-            <a:xfrm>
-              <a:off x="457201" y="1866900"/>
-              <a:ext cx="1676399" cy="3124200"/>
-            </a:xfrm>
-            <a:prstGeom prst="roundRect">
-              <a:avLst>
-                <a:gd name="adj" fmla="val 3484"/>
-              </a:avLst>
-            </a:prstGeom>
+          <a:prstGeom prst="rect">
+            <a:avLst/>
+          </a:prstGeom>
+          <a:solidFill>
+            <a:srgbClr val="A776CC"/>
+          </a:solidFill>
+          <a:ln w="19050">
             <a:solidFill>
-              <a:schemeClr val="accent4">
-                <a:lumMod val="20000"/>
-                <a:lumOff val="80000"/>
-              </a:schemeClr>
+              <a:srgbClr val="A776CC"/>
             </a:solidFill>
-            <a:ln w="19050">
-              <a:noFill/>
-            </a:ln>
-            <a:effectLst/>
-          </p:spPr>
-          <p:style>
-            <a:lnRef idx="1">
-              <a:schemeClr val="accent2"/>
-            </a:lnRef>
-            <a:fillRef idx="2">
-              <a:schemeClr val="accent2"/>
-            </a:fillRef>
-            <a:effectRef idx="1">
-              <a:schemeClr val="accent2"/>
-            </a:effectRef>
-            <a:fontRef idx="minor">
-              <a:schemeClr val="dk1"/>
-            </a:fontRef>
-          </p:style>
-          <p:txBody>
-            <a:bodyPr rtlCol="0" anchor="t"/>
-            <a:lstStyle/>
-            <a:p>
-              <a:r>
-                <a:rPr lang="en-US" sz="1200" b="1" dirty="0">
-                  <a:solidFill>
-                    <a:srgbClr val="7030A0"/>
-                  </a:solidFill>
-                </a:rPr>
-                <a:t>Model</a:t>
-              </a:r>
-              <a:endParaRPr lang="en-SG" sz="1200" b="1" dirty="0">
+          </a:ln>
+          <a:effectLst/>
+        </p:spPr>
+        <p:style>
+          <a:lnRef idx="1">
+            <a:schemeClr val="accent4"/>
+          </a:lnRef>
+          <a:fillRef idx="2">
+            <a:schemeClr val="accent4"/>
+          </a:fillRef>
+          <a:effectRef idx="1">
+            <a:schemeClr val="accent4"/>
+          </a:effectRef>
+          <a:fontRef idx="minor">
+            <a:schemeClr val="dk1"/>
+          </a:fontRef>
+        </p:style>
+        <p:txBody>
+          <a:bodyPr rtlCol="0" anchor="ctr"/>
+          <a:lstStyle/>
+          <a:p>
+            <a:pPr algn="ctr"/>
+            <a:r>
+              <a:rPr lang="en-US" sz="1050" dirty="0">
                 <a:solidFill>
-                  <a:srgbClr val="7030A0"/>
+                  <a:schemeClr val="bg1"/>
                 </a:solidFill>
-              </a:endParaRPr>
-            </a:p>
-          </p:txBody>
-        </p:sp>
-        <p:sp>
-          <p:nvSpPr>
-            <p:cNvPr id="72" name="Rectangle 8">
-              <a:extLst>
-                <a:ext uri="{FF2B5EF4-FFF2-40B4-BE49-F238E27FC236}">
-                  <a16:creationId xmlns:a16="http://schemas.microsoft.com/office/drawing/2014/main" id="{D599E6E2-2C67-4CF7-8906-92C8A93721A4}"/>
-                </a:ext>
-              </a:extLst>
-            </p:cNvPr>
-            <p:cNvSpPr/>
-            <p:nvPr/>
-          </p:nvSpPr>
-          <p:spPr>
-            <a:xfrm>
-              <a:off x="762000" y="3230888"/>
-              <a:ext cx="1156969" cy="285783"/>
-            </a:xfrm>
-            <a:prstGeom prst="rect">
-              <a:avLst/>
-            </a:prstGeom>
-            <a:ln w="19050">
+              </a:rPr>
+              <a:t>User</a:t>
+            </a:r>
+            <a:endParaRPr lang="en-SG" sz="1050" dirty="0">
               <a:solidFill>
-                <a:srgbClr val="7030A0"/>
+                <a:schemeClr val="bg1"/>
               </a:solidFill>
-            </a:ln>
-            <a:effectLst/>
-          </p:spPr>
-          <p:style>
-            <a:lnRef idx="1">
-              <a:schemeClr val="accent4"/>
-            </a:lnRef>
-            <a:fillRef idx="2">
-              <a:schemeClr val="accent4"/>
-            </a:fillRef>
-            <a:effectRef idx="1">
-              <a:schemeClr val="accent4"/>
-            </a:effectRef>
-            <a:fontRef idx="minor">
-              <a:schemeClr val="dk1"/>
-            </a:fontRef>
-          </p:style>
-          <p:txBody>
-            <a:bodyPr rtlCol="0" anchor="ctr"/>
-            <a:lstStyle/>
-            <a:p>
-              <a:pPr algn="ctr"/>
-              <a:r>
-                <a:rPr lang="en-US" sz="1050" dirty="0">
-                  <a:solidFill>
-                    <a:srgbClr val="7030A0"/>
-                  </a:solidFill>
-                </a:rPr>
-                <a:t>User</a:t>
-              </a:r>
-              <a:endParaRPr lang="en-SG" sz="1050" dirty="0">
-                <a:solidFill>
-                  <a:srgbClr val="7030A0"/>
-                </a:solidFill>
-              </a:endParaRPr>
-            </a:p>
-          </p:txBody>
-        </p:sp>
-      </p:grpSp>
-      <p:grpSp>
-        <p:nvGrpSpPr>
-          <p:cNvPr id="16" name="Group 15">
+            </a:endParaRPr>
+          </a:p>
+        </p:txBody>
+      </p:sp>
+      <p:sp>
+        <p:nvSpPr>
+          <p:cNvPr id="56" name="Rectangle 65">
             <a:extLst>
               <a:ext uri="{FF2B5EF4-FFF2-40B4-BE49-F238E27FC236}">
-                <a16:creationId xmlns:a16="http://schemas.microsoft.com/office/drawing/2014/main" id="{270E7078-CB01-4550-A47B-6BFF8C85D74D}"/>
+                <a16:creationId xmlns:a16="http://schemas.microsoft.com/office/drawing/2014/main" id="{A723CE41-3FD1-48F4-A418-9247FE45B3E9}"/>
               </a:ext>
             </a:extLst>
           </p:cNvPr>
-          <p:cNvGrpSpPr/>
+          <p:cNvSpPr/>
           <p:nvPr/>
-        </p:nvGrpSpPr>
-        <p:grpSpPr>
+        </p:nvSpPr>
+        <p:spPr>
           <a:xfrm>
-            <a:off x="2833369" y="1735479"/>
-            <a:ext cx="1524000" cy="3118480"/>
-            <a:chOff x="2819400" y="1866900"/>
-            <a:chExt cx="1524000" cy="3118480"/>
+            <a:off x="2833369" y="2627037"/>
+            <a:ext cx="1524000" cy="1219201"/>
           </a:xfrm>
-        </p:grpSpPr>
-        <p:sp>
-          <p:nvSpPr>
-            <p:cNvPr id="56" name="Rectangle 65">
-              <a:extLst>
-                <a:ext uri="{FF2B5EF4-FFF2-40B4-BE49-F238E27FC236}">
-                  <a16:creationId xmlns:a16="http://schemas.microsoft.com/office/drawing/2014/main" id="{A723CE41-3FD1-48F4-A418-9247FE45B3E9}"/>
-                </a:ext>
-              </a:extLst>
-            </p:cNvPr>
-            <p:cNvSpPr/>
-            <p:nvPr/>
-          </p:nvSpPr>
-          <p:spPr>
-            <a:xfrm>
-              <a:off x="2819400" y="1866900"/>
-              <a:ext cx="1524000" cy="3118480"/>
-            </a:xfrm>
-            <a:prstGeom prst="roundRect">
-              <a:avLst>
-                <a:gd name="adj" fmla="val 3484"/>
-              </a:avLst>
-            </a:prstGeom>
-            <a:solidFill>
-              <a:schemeClr val="accent6">
-                <a:lumMod val="20000"/>
-                <a:lumOff val="80000"/>
-              </a:schemeClr>
-            </a:solidFill>
-            <a:ln w="19050">
-              <a:noFill/>
-            </a:ln>
-            <a:effectLst/>
-          </p:spPr>
-          <p:style>
-            <a:lnRef idx="1">
-              <a:schemeClr val="accent2"/>
-            </a:lnRef>
-            <a:fillRef idx="2">
-              <a:schemeClr val="accent2"/>
-            </a:fillRef>
-            <a:effectRef idx="1">
-              <a:schemeClr val="accent2"/>
-            </a:effectRef>
-            <a:fontRef idx="minor">
-              <a:schemeClr val="dk1"/>
-            </a:fontRef>
-          </p:style>
-          <p:txBody>
-            <a:bodyPr rtlCol="0" anchor="t"/>
-            <a:lstStyle/>
-            <a:p>
-              <a:r>
-                <a:rPr lang="en-US" sz="1200" b="1" dirty="0">
-                  <a:solidFill>
-                    <a:schemeClr val="accent6">
-                      <a:lumMod val="75000"/>
-                    </a:schemeClr>
-                  </a:solidFill>
-                </a:rPr>
-                <a:t>Storage</a:t>
-              </a:r>
-              <a:endParaRPr lang="en-SG" sz="1200" b="1" dirty="0">
+          <a:prstGeom prst="roundRect">
+            <a:avLst>
+              <a:gd name="adj" fmla="val 3484"/>
+            </a:avLst>
+          </a:prstGeom>
+          <a:solidFill>
+            <a:schemeClr val="accent6">
+              <a:lumMod val="20000"/>
+              <a:lumOff val="80000"/>
+            </a:schemeClr>
+          </a:solidFill>
+          <a:ln w="19050">
+            <a:noFill/>
+          </a:ln>
+          <a:effectLst/>
+        </p:spPr>
+        <p:style>
+          <a:lnRef idx="1">
+            <a:schemeClr val="accent2"/>
+          </a:lnRef>
+          <a:fillRef idx="2">
+            <a:schemeClr val="accent2"/>
+          </a:fillRef>
+          <a:effectRef idx="1">
+            <a:schemeClr val="accent2"/>
+          </a:effectRef>
+          <a:fontRef idx="minor">
+            <a:schemeClr val="dk1"/>
+          </a:fontRef>
+        </p:style>
+        <p:txBody>
+          <a:bodyPr rtlCol="0" anchor="t"/>
+          <a:lstStyle/>
+          <a:p>
+            <a:r>
+              <a:rPr lang="en-US" sz="1200" b="1" dirty="0">
                 <a:solidFill>
                   <a:schemeClr val="accent6">
                     <a:lumMod val="75000"/>
                   </a:schemeClr>
                 </a:solidFill>
-              </a:endParaRPr>
-            </a:p>
-          </p:txBody>
-        </p:sp>
-        <p:sp>
-          <p:nvSpPr>
-            <p:cNvPr id="74" name="Rectangle 8">
-              <a:extLst>
-                <a:ext uri="{FF2B5EF4-FFF2-40B4-BE49-F238E27FC236}">
-                  <a16:creationId xmlns:a16="http://schemas.microsoft.com/office/drawing/2014/main" id="{B24E36A8-4856-452E-917D-CCC103103C3C}"/>
-                </a:ext>
-              </a:extLst>
-            </p:cNvPr>
-            <p:cNvSpPr/>
-            <p:nvPr/>
-          </p:nvSpPr>
-          <p:spPr>
-            <a:xfrm>
-              <a:off x="2942946" y="3194679"/>
-              <a:ext cx="1276907" cy="346760"/>
-            </a:xfrm>
-            <a:prstGeom prst="rect">
-              <a:avLst/>
-            </a:prstGeom>
-            <a:ln w="19050"/>
-            <a:effectLst/>
-          </p:spPr>
-          <p:style>
-            <a:lnRef idx="1">
-              <a:schemeClr val="accent6"/>
-            </a:lnRef>
-            <a:fillRef idx="2">
-              <a:schemeClr val="accent6"/>
-            </a:fillRef>
-            <a:effectRef idx="1">
-              <a:schemeClr val="accent6"/>
-            </a:effectRef>
-            <a:fontRef idx="minor">
-              <a:schemeClr val="dk1"/>
-            </a:fontRef>
-          </p:style>
-          <p:txBody>
-            <a:bodyPr rtlCol="0" anchor="ctr"/>
-            <a:lstStyle/>
-            <a:p>
-              <a:pPr algn="ctr"/>
-              <a:r>
-                <a:rPr lang="en-US" sz="1050" b="1" dirty="0" err="1">
-                  <a:solidFill>
-                    <a:schemeClr val="accent6">
-                      <a:lumMod val="75000"/>
-                    </a:schemeClr>
-                  </a:solidFill>
-                </a:rPr>
-                <a:t>CsvUserStorage</a:t>
-              </a:r>
-              <a:endParaRPr lang="en-SG" sz="1050" b="1" dirty="0">
+              </a:rPr>
+              <a:t>Storage</a:t>
+            </a:r>
+            <a:endParaRPr lang="en-SG" sz="1200" b="1" dirty="0">
+              <a:solidFill>
+                <a:schemeClr val="accent6">
+                  <a:lumMod val="75000"/>
+                </a:schemeClr>
+              </a:solidFill>
+            </a:endParaRPr>
+          </a:p>
+        </p:txBody>
+      </p:sp>
+      <p:sp>
+        <p:nvSpPr>
+          <p:cNvPr id="74" name="Rectangle 8">
+            <a:extLst>
+              <a:ext uri="{FF2B5EF4-FFF2-40B4-BE49-F238E27FC236}">
+                <a16:creationId xmlns:a16="http://schemas.microsoft.com/office/drawing/2014/main" id="{B24E36A8-4856-452E-917D-CCC103103C3C}"/>
+              </a:ext>
+            </a:extLst>
+          </p:cNvPr>
+          <p:cNvSpPr/>
+          <p:nvPr/>
+        </p:nvSpPr>
+        <p:spPr>
+          <a:xfrm>
+            <a:off x="2956915" y="3063258"/>
+            <a:ext cx="1276907" cy="346760"/>
+          </a:xfrm>
+          <a:prstGeom prst="rect">
+            <a:avLst/>
+          </a:prstGeom>
+          <a:solidFill>
+            <a:srgbClr val="F49342"/>
+          </a:solidFill>
+          <a:ln w="19050">
+            <a:solidFill>
+              <a:srgbClr val="F49342"/>
+            </a:solidFill>
+          </a:ln>
+          <a:effectLst/>
+        </p:spPr>
+        <p:style>
+          <a:lnRef idx="1">
+            <a:schemeClr val="accent6"/>
+          </a:lnRef>
+          <a:fillRef idx="2">
+            <a:schemeClr val="accent6"/>
+          </a:fillRef>
+          <a:effectRef idx="1">
+            <a:schemeClr val="accent6"/>
+          </a:effectRef>
+          <a:fontRef idx="minor">
+            <a:schemeClr val="dk1"/>
+          </a:fontRef>
+        </p:style>
+        <p:txBody>
+          <a:bodyPr rtlCol="0" anchor="ctr"/>
+          <a:lstStyle/>
+          <a:p>
+            <a:pPr algn="ctr"/>
+            <a:r>
+              <a:rPr lang="en-US" sz="1050" b="1" dirty="0" err="1">
                 <a:solidFill>
-                  <a:schemeClr val="accent6">
-                    <a:lumMod val="75000"/>
-                  </a:schemeClr>
+                  <a:srgbClr val="FFFFFF"/>
                 </a:solidFill>
-              </a:endParaRPr>
-            </a:p>
-          </p:txBody>
-        </p:sp>
-      </p:grpSp>
+              </a:rPr>
+              <a:t>CsvUserStorage</a:t>
+            </a:r>
+            <a:endParaRPr lang="en-SG" sz="1050" b="1" dirty="0">
+              <a:solidFill>
+                <a:srgbClr val="FFFFFF"/>
+              </a:solidFill>
+            </a:endParaRPr>
+          </a:p>
+        </p:txBody>
+      </p:sp>
       <p:sp>
         <p:nvSpPr>
           <p:cNvPr id="12" name="Flowchart: Multidocument 11">
